--- a/WiT Hackathon_.pptx
+++ b/WiT Hackathon_.pptx
@@ -8,12 +8,13 @@
     <p:sldId id="256" r:id="rId2"/>
     <p:sldId id="258" r:id="rId3"/>
     <p:sldId id="259" r:id="rId4"/>
-    <p:sldId id="257" r:id="rId5"/>
-    <p:sldId id="261" r:id="rId6"/>
-    <p:sldId id="262" r:id="rId7"/>
-    <p:sldId id="263" r:id="rId8"/>
-    <p:sldId id="264" r:id="rId9"/>
-    <p:sldId id="260" r:id="rId10"/>
+    <p:sldId id="265" r:id="rId5"/>
+    <p:sldId id="257" r:id="rId6"/>
+    <p:sldId id="261" r:id="rId7"/>
+    <p:sldId id="262" r:id="rId8"/>
+    <p:sldId id="263" r:id="rId9"/>
+    <p:sldId id="264" r:id="rId10"/>
+    <p:sldId id="260" r:id="rId11"/>
   </p:sldIdLst>
   <p:sldSz cx="12192000" cy="6858000"/>
   <p:notesSz cx="6858000" cy="9144000"/>
@@ -3898,6 +3899,108 @@
 </p:sld>
 </file>
 
+<file path=ppt/slides/slide10.xml><?xml version="1.0" encoding="utf-8"?>
+<p:sld xmlns:a="http://schemas.openxmlformats.org/drawingml/2006/main" xmlns:r="http://schemas.openxmlformats.org/officeDocument/2006/relationships" xmlns:p="http://schemas.openxmlformats.org/presentationml/2006/main">
+  <p:cSld>
+    <p:spTree>
+      <p:nvGrpSpPr>
+        <p:cNvPr id="1" name=""/>
+        <p:cNvGrpSpPr/>
+        <p:nvPr/>
+      </p:nvGrpSpPr>
+      <p:grpSpPr>
+        <a:xfrm>
+          <a:off x="0" y="0"/>
+          <a:ext cx="0" cy="0"/>
+          <a:chOff x="0" y="0"/>
+          <a:chExt cx="0" cy="0"/>
+        </a:xfrm>
+      </p:grpSpPr>
+      <p:sp>
+        <p:nvSpPr>
+          <p:cNvPr id="2" name="Title 1">
+            <a:extLst>
+              <a:ext uri="{FF2B5EF4-FFF2-40B4-BE49-F238E27FC236}">
+                <a16:creationId xmlns:a16="http://schemas.microsoft.com/office/drawing/2014/main" id="{DC68F6D3-7BB3-42F3-805B-2C157610A057}"/>
+              </a:ext>
+            </a:extLst>
+          </p:cNvPr>
+          <p:cNvSpPr>
+            <a:spLocks noGrp="1"/>
+          </p:cNvSpPr>
+          <p:nvPr>
+            <p:ph type="title"/>
+          </p:nvPr>
+        </p:nvSpPr>
+        <p:spPr/>
+        <p:txBody>
+          <a:bodyPr/>
+          <a:lstStyle/>
+          <a:p>
+            <a:r>
+              <a:rPr lang="pt-BR" b="1" dirty="0"/>
+              <a:t>REFERENCES/BIBLIOGRAPGHY</a:t>
+            </a:r>
+            <a:endParaRPr lang="en-US" dirty="0"/>
+          </a:p>
+        </p:txBody>
+      </p:sp>
+      <p:sp>
+        <p:nvSpPr>
+          <p:cNvPr id="3" name="Content Placeholder 2">
+            <a:extLst>
+              <a:ext uri="{FF2B5EF4-FFF2-40B4-BE49-F238E27FC236}">
+                <a16:creationId xmlns:a16="http://schemas.microsoft.com/office/drawing/2014/main" id="{578BE212-1A5C-42E6-990F-B1E3F10E80F2}"/>
+              </a:ext>
+            </a:extLst>
+          </p:cNvPr>
+          <p:cNvSpPr>
+            <a:spLocks noGrp="1"/>
+          </p:cNvSpPr>
+          <p:nvPr>
+            <p:ph idx="1"/>
+          </p:nvPr>
+        </p:nvSpPr>
+        <p:spPr/>
+        <p:txBody>
+          <a:bodyPr/>
+          <a:lstStyle/>
+          <a:p>
+            <a:r>
+              <a:rPr lang="en-US" dirty="0">
+                <a:hlinkClick r:id="rId2" tooltip="https://www.kaggle.com/allen-institute-for-ai/cord-19-research-challenge?select=metadata.csv"/>
+              </a:rPr>
+              <a:t>https://www.kaggle.com/allen-institute-for-ai/CORD-19-research-challenge?select=metadata.csv</a:t>
+            </a:r>
+            <a:endParaRPr lang="en-US" dirty="0"/>
+          </a:p>
+          <a:p>
+            <a:r>
+              <a:rPr lang="en-US">
+                <a:hlinkClick r:id="rId3" tooltip="https://github.com/priya-dwivedi/deep-learning/blob/master/text_classification_with_bert/classification_with_simple_transformers.ipynb"/>
+              </a:rPr>
+              <a:t>https://github.com/priya-dwivedi/Deep-Learning/blob/master/text_classification_with_BERT/Classification_with_Simple_Transformers.ipynb</a:t>
+            </a:r>
+            <a:endParaRPr lang="en-US" dirty="0"/>
+          </a:p>
+          <a:p>
+            <a:endParaRPr lang="en-US" dirty="0"/>
+          </a:p>
+        </p:txBody>
+      </p:sp>
+    </p:spTree>
+    <p:extLst>
+      <p:ext uri="{BB962C8B-B14F-4D97-AF65-F5344CB8AC3E}">
+        <p14:creationId xmlns:p14="http://schemas.microsoft.com/office/powerpoint/2010/main" val="3289435459"/>
+      </p:ext>
+    </p:extLst>
+  </p:cSld>
+  <p:clrMapOvr>
+    <a:masterClrMapping/>
+  </p:clrMapOvr>
+</p:sld>
+</file>
+
 <file path=ppt/slides/slide2.xml><?xml version="1.0" encoding="utf-8"?>
 <p:sld xmlns:a="http://schemas.openxmlformats.org/drawingml/2006/main" xmlns:r="http://schemas.openxmlformats.org/officeDocument/2006/relationships" xmlns:p="http://schemas.openxmlformats.org/presentationml/2006/main">
   <p:cSld>
@@ -4142,6 +4245,625 @@
 </file>
 
 <file path=ppt/slides/slide4.xml><?xml version="1.0" encoding="utf-8"?>
+<p:sld xmlns:a="http://schemas.openxmlformats.org/drawingml/2006/main" xmlns:r="http://schemas.openxmlformats.org/officeDocument/2006/relationships" xmlns:p="http://schemas.openxmlformats.org/presentationml/2006/main">
+  <p:cSld>
+    <p:bg>
+      <p:bgPr>
+        <a:gradFill rotWithShape="1">
+          <a:gsLst>
+            <a:gs pos="0">
+              <a:schemeClr val="bg2">
+                <a:tint val="94000"/>
+                <a:satMod val="80000"/>
+                <a:lumMod val="106000"/>
+              </a:schemeClr>
+            </a:gs>
+            <a:gs pos="100000">
+              <a:schemeClr val="bg2">
+                <a:shade val="80000"/>
+              </a:schemeClr>
+            </a:gs>
+          </a:gsLst>
+          <a:path path="circle">
+            <a:fillToRect l="43000" r="43000" b="100000"/>
+          </a:path>
+        </a:gradFill>
+        <a:effectLst/>
+      </p:bgPr>
+    </p:bg>
+    <p:spTree>
+      <p:nvGrpSpPr>
+        <p:cNvPr id="1" name=""/>
+        <p:cNvGrpSpPr/>
+        <p:nvPr/>
+      </p:nvGrpSpPr>
+      <p:grpSpPr>
+        <a:xfrm>
+          <a:off x="0" y="0"/>
+          <a:ext cx="0" cy="0"/>
+          <a:chOff x="0" y="0"/>
+          <a:chExt cx="0" cy="0"/>
+        </a:xfrm>
+      </p:grpSpPr>
+      <p:sp>
+        <p:nvSpPr>
+          <p:cNvPr id="10" name="Rectangle 9">
+            <a:extLst>
+              <a:ext uri="{FF2B5EF4-FFF2-40B4-BE49-F238E27FC236}">
+                <a16:creationId xmlns:a16="http://schemas.microsoft.com/office/drawing/2014/main" id="{0CABCAE3-64FC-4149-819F-2C1812824154}"/>
+              </a:ext>
+              <a:ext uri="{C183D7F6-B498-43B3-948B-1728B52AA6E4}">
+                <adec:decorative xmlns:adec="http://schemas.microsoft.com/office/drawing/2017/decorative" val="1"/>
+              </a:ext>
+            </a:extLst>
+          </p:cNvPr>
+          <p:cNvSpPr>
+            <a:spLocks noGrp="1" noRot="1" noChangeAspect="1" noMove="1" noResize="1" noEditPoints="1" noAdjustHandles="1" noChangeArrowheads="1" noChangeShapeType="1" noTextEdit="1"/>
+          </p:cNvSpPr>
+          <p:nvPr>
+            <p:extLst>
+              <p:ext uri="{386F3935-93C4-4BCD-93E2-E3B085C9AB24}">
+                <p16:designElem xmlns:p16="http://schemas.microsoft.com/office/powerpoint/2015/main" val="1"/>
+              </p:ext>
+            </p:extLst>
+          </p:nvPr>
+        </p:nvSpPr>
+        <p:spPr>
+          <a:xfrm>
+            <a:off x="0" y="2019476"/>
+            <a:ext cx="12192000" cy="4105941"/>
+          </a:xfrm>
+          <a:prstGeom prst="rect">
+            <a:avLst/>
+          </a:prstGeom>
+          <a:gradFill flip="none" rotWithShape="1">
+            <a:gsLst>
+              <a:gs pos="0">
+                <a:schemeClr val="bg2">
+                  <a:alpha val="0"/>
+                </a:schemeClr>
+              </a:gs>
+              <a:gs pos="100000">
+                <a:schemeClr val="bg2"/>
+              </a:gs>
+            </a:gsLst>
+            <a:lin ang="5400000" scaled="0"/>
+            <a:tileRect/>
+          </a:gradFill>
+          <a:ln>
+            <a:noFill/>
+          </a:ln>
+        </p:spPr>
+        <p:style>
+          <a:lnRef idx="2">
+            <a:schemeClr val="accent1">
+              <a:shade val="50000"/>
+            </a:schemeClr>
+          </a:lnRef>
+          <a:fillRef idx="1">
+            <a:schemeClr val="accent1"/>
+          </a:fillRef>
+          <a:effectRef idx="0">
+            <a:schemeClr val="accent1"/>
+          </a:effectRef>
+          <a:fontRef idx="minor">
+            <a:schemeClr val="lt1"/>
+          </a:fontRef>
+        </p:style>
+      </p:sp>
+      <p:pic>
+        <p:nvPicPr>
+          <p:cNvPr id="12" name="Picture 11">
+            <a:extLst>
+              <a:ext uri="{FF2B5EF4-FFF2-40B4-BE49-F238E27FC236}">
+                <a16:creationId xmlns:a16="http://schemas.microsoft.com/office/drawing/2014/main" id="{012FDCFE-9AD2-4D8A-8CBF-B3AA37EBF6DD}"/>
+              </a:ext>
+              <a:ext uri="{C183D7F6-B498-43B3-948B-1728B52AA6E4}">
+                <adec:decorative xmlns:adec="http://schemas.microsoft.com/office/drawing/2017/decorative" val="1"/>
+              </a:ext>
+            </a:extLst>
+          </p:cNvPr>
+          <p:cNvPicPr>
+            <a:picLocks noGrp="1" noRot="1" noChangeAspect="1" noMove="1" noResize="1" noEditPoints="1" noAdjustHandles="1" noChangeArrowheads="1" noChangeShapeType="1" noCrop="1"/>
+          </p:cNvPicPr>
+          <p:nvPr>
+            <p:extLst>
+              <p:ext uri="{386F3935-93C4-4BCD-93E2-E3B085C9AB24}">
+                <p16:designElem xmlns:p16="http://schemas.microsoft.com/office/powerpoint/2015/main" val="1"/>
+              </p:ext>
+            </p:extLst>
+          </p:nvPr>
+        </p:nvPicPr>
+        <p:blipFill rotWithShape="1">
+          <a:blip r:embed="rId2">
+            <a:extLst>
+              <a:ext uri="{28A0092B-C50C-407E-A947-70E740481C1C}">
+                <a14:useLocalDpi xmlns:a14="http://schemas.microsoft.com/office/drawing/2010/main" val="0"/>
+              </a:ext>
+            </a:extLst>
+          </a:blip>
+          <a:srcRect t="1538" b="-1538"/>
+          <a:stretch/>
+        </p:blipFill>
+        <p:spPr bwMode="black">
+          <a:xfrm>
+            <a:off x="0" y="6126480"/>
+            <a:ext cx="12192000" cy="742950"/>
+          </a:xfrm>
+          <a:prstGeom prst="rect">
+            <a:avLst/>
+          </a:prstGeom>
+        </p:spPr>
+      </p:pic>
+      <p:cxnSp>
+        <p:nvCxnSpPr>
+          <p:cNvPr id="14" name="Straight Connector 13">
+            <a:extLst>
+              <a:ext uri="{FF2B5EF4-FFF2-40B4-BE49-F238E27FC236}">
+                <a16:creationId xmlns:a16="http://schemas.microsoft.com/office/drawing/2014/main" id="{FBD463FC-4CA8-4FF4-85A3-AF9F4B98D210}"/>
+              </a:ext>
+              <a:ext uri="{C183D7F6-B498-43B3-948B-1728B52AA6E4}">
+                <adec:decorative xmlns:adec="http://schemas.microsoft.com/office/drawing/2017/decorative" val="1"/>
+              </a:ext>
+            </a:extLst>
+          </p:cNvPr>
+          <p:cNvCxnSpPr>
+            <a:cxnSpLocks noGrp="1" noRot="1" noChangeAspect="1" noMove="1" noResize="1" noEditPoints="1" noAdjustHandles="1" noChangeArrowheads="1" noChangeShapeType="1"/>
+          </p:cNvCxnSpPr>
+          <p:nvPr>
+            <p:extLst>
+              <p:ext uri="{386F3935-93C4-4BCD-93E2-E3B085C9AB24}">
+                <p16:designElem xmlns:p16="http://schemas.microsoft.com/office/powerpoint/2015/main" val="1"/>
+              </p:ext>
+            </p:extLst>
+          </p:nvPr>
+        </p:nvCxnSpPr>
+        <p:spPr>
+          <a:xfrm>
+            <a:off x="0" y="6128413"/>
+            <a:ext cx="12192000" cy="0"/>
+          </a:xfrm>
+          <a:prstGeom prst="line">
+            <a:avLst/>
+          </a:prstGeom>
+          <a:ln w="12700">
+            <a:solidFill>
+              <a:srgbClr val="000001">
+                <a:alpha val="20000"/>
+              </a:srgbClr>
+            </a:solidFill>
+          </a:ln>
+        </p:spPr>
+        <p:style>
+          <a:lnRef idx="1">
+            <a:schemeClr val="accent1"/>
+          </a:lnRef>
+          <a:fillRef idx="0">
+            <a:schemeClr val="accent1"/>
+          </a:fillRef>
+          <a:effectRef idx="0">
+            <a:schemeClr val="accent1"/>
+          </a:effectRef>
+          <a:fontRef idx="minor">
+            <a:schemeClr val="tx1"/>
+          </a:fontRef>
+        </p:style>
+      </p:cxnSp>
+      <p:cxnSp>
+        <p:nvCxnSpPr>
+          <p:cNvPr id="16" name="Straight Connector 15">
+            <a:extLst>
+              <a:ext uri="{FF2B5EF4-FFF2-40B4-BE49-F238E27FC236}">
+                <a16:creationId xmlns:a16="http://schemas.microsoft.com/office/drawing/2014/main" id="{BECF35C3-8B44-4F4B-BD25-4C01823DB22A}"/>
+              </a:ext>
+              <a:ext uri="{C183D7F6-B498-43B3-948B-1728B52AA6E4}">
+                <adec:decorative xmlns:adec="http://schemas.microsoft.com/office/drawing/2017/decorative" val="1"/>
+              </a:ext>
+            </a:extLst>
+          </p:cNvPr>
+          <p:cNvCxnSpPr>
+            <a:cxnSpLocks noGrp="1" noRot="1" noChangeAspect="1" noMove="1" noResize="1" noEditPoints="1" noAdjustHandles="1" noChangeArrowheads="1" noChangeShapeType="1"/>
+          </p:cNvCxnSpPr>
+          <p:nvPr>
+            <p:extLst>
+              <p:ext uri="{386F3935-93C4-4BCD-93E2-E3B085C9AB24}">
+                <p16:designElem xmlns:p16="http://schemas.microsoft.com/office/powerpoint/2015/main" val="1"/>
+              </p:ext>
+            </p:extLst>
+          </p:nvPr>
+        </p:nvCxnSpPr>
+        <p:spPr>
+          <a:xfrm>
+            <a:off x="2417780" y="3528542"/>
+            <a:ext cx="8637072" cy="0"/>
+          </a:xfrm>
+          <a:prstGeom prst="line">
+            <a:avLst/>
+          </a:prstGeom>
+          <a:ln w="31750"/>
+        </p:spPr>
+        <p:style>
+          <a:lnRef idx="3">
+            <a:schemeClr val="accent1"/>
+          </a:lnRef>
+          <a:fillRef idx="0">
+            <a:schemeClr val="accent1"/>
+          </a:fillRef>
+          <a:effectRef idx="2">
+            <a:schemeClr val="accent1"/>
+          </a:effectRef>
+          <a:fontRef idx="minor">
+            <a:schemeClr val="tx1"/>
+          </a:fontRef>
+        </p:style>
+      </p:cxnSp>
+      <p:sp useBgFill="1">
+        <p:nvSpPr>
+          <p:cNvPr id="18" name="Rectangle 17">
+            <a:extLst>
+              <a:ext uri="{FF2B5EF4-FFF2-40B4-BE49-F238E27FC236}">
+                <a16:creationId xmlns:a16="http://schemas.microsoft.com/office/drawing/2014/main" id="{D0712110-0BC1-4B31-B3BB-63B44222E87F}"/>
+              </a:ext>
+              <a:ext uri="{C183D7F6-B498-43B3-948B-1728B52AA6E4}">
+                <adec:decorative xmlns:adec="http://schemas.microsoft.com/office/drawing/2017/decorative" val="1"/>
+              </a:ext>
+            </a:extLst>
+          </p:cNvPr>
+          <p:cNvSpPr>
+            <a:spLocks noGrp="1" noRot="1" noChangeAspect="1" noMove="1" noResize="1" noEditPoints="1" noAdjustHandles="1" noChangeArrowheads="1" noChangeShapeType="1" noTextEdit="1"/>
+          </p:cNvSpPr>
+          <p:nvPr>
+            <p:extLst>
+              <p:ext uri="{386F3935-93C4-4BCD-93E2-E3B085C9AB24}">
+                <p16:designElem xmlns:p16="http://schemas.microsoft.com/office/powerpoint/2015/main" val="1"/>
+              </p:ext>
+            </p:extLst>
+          </p:nvPr>
+        </p:nvSpPr>
+        <p:spPr>
+          <a:xfrm>
+            <a:off x="2" y="0"/>
+            <a:ext cx="12191695" cy="6858000"/>
+          </a:xfrm>
+          <a:prstGeom prst="rect">
+            <a:avLst/>
+          </a:prstGeom>
+          <a:ln>
+            <a:noFill/>
+          </a:ln>
+        </p:spPr>
+        <p:style>
+          <a:lnRef idx="2">
+            <a:schemeClr val="accent1">
+              <a:shade val="50000"/>
+            </a:schemeClr>
+          </a:lnRef>
+          <a:fillRef idx="1">
+            <a:schemeClr val="accent1"/>
+          </a:fillRef>
+          <a:effectRef idx="0">
+            <a:schemeClr val="accent1"/>
+          </a:effectRef>
+          <a:fontRef idx="minor">
+            <a:schemeClr val="lt1"/>
+          </a:fontRef>
+        </p:style>
+        <p:txBody>
+          <a:bodyPr rtlCol="0" anchor="ctr"/>
+          <a:lstStyle/>
+          <a:p>
+            <a:pPr algn="ctr"/>
+            <a:endParaRPr lang="en-US"/>
+          </a:p>
+        </p:txBody>
+      </p:sp>
+      <p:sp>
+        <p:nvSpPr>
+          <p:cNvPr id="20" name="Rectangle 19">
+            <a:extLst>
+              <a:ext uri="{FF2B5EF4-FFF2-40B4-BE49-F238E27FC236}">
+                <a16:creationId xmlns:a16="http://schemas.microsoft.com/office/drawing/2014/main" id="{4466B5F3-C053-4580-B04A-1EF949888280}"/>
+              </a:ext>
+              <a:ext uri="{C183D7F6-B498-43B3-948B-1728B52AA6E4}">
+                <adec:decorative xmlns:adec="http://schemas.microsoft.com/office/drawing/2017/decorative" val="1"/>
+              </a:ext>
+            </a:extLst>
+          </p:cNvPr>
+          <p:cNvSpPr>
+            <a:spLocks noGrp="1" noRot="1" noChangeAspect="1" noMove="1" noResize="1" noEditPoints="1" noAdjustHandles="1" noChangeArrowheads="1" noChangeShapeType="1" noTextEdit="1"/>
+          </p:cNvSpPr>
+          <p:nvPr>
+            <p:extLst>
+              <p:ext uri="{386F3935-93C4-4BCD-93E2-E3B085C9AB24}">
+                <p16:designElem xmlns:p16="http://schemas.microsoft.com/office/powerpoint/2015/main" val="1"/>
+              </p:ext>
+            </p:extLst>
+          </p:nvPr>
+        </p:nvSpPr>
+        <p:spPr>
+          <a:xfrm>
+            <a:off x="0" y="2019476"/>
+            <a:ext cx="12192000" cy="4105941"/>
+          </a:xfrm>
+          <a:prstGeom prst="rect">
+            <a:avLst/>
+          </a:prstGeom>
+          <a:gradFill flip="none" rotWithShape="1">
+            <a:gsLst>
+              <a:gs pos="0">
+                <a:schemeClr val="bg2">
+                  <a:alpha val="0"/>
+                </a:schemeClr>
+              </a:gs>
+              <a:gs pos="100000">
+                <a:schemeClr val="bg2"/>
+              </a:gs>
+            </a:gsLst>
+            <a:lin ang="5400000" scaled="0"/>
+            <a:tileRect/>
+          </a:gradFill>
+          <a:ln>
+            <a:noFill/>
+          </a:ln>
+        </p:spPr>
+        <p:style>
+          <a:lnRef idx="2">
+            <a:schemeClr val="accent1">
+              <a:shade val="50000"/>
+            </a:schemeClr>
+          </a:lnRef>
+          <a:fillRef idx="1">
+            <a:schemeClr val="accent1"/>
+          </a:fillRef>
+          <a:effectRef idx="0">
+            <a:schemeClr val="accent1"/>
+          </a:effectRef>
+          <a:fontRef idx="minor">
+            <a:schemeClr val="lt1"/>
+          </a:fontRef>
+        </p:style>
+        <p:txBody>
+          <a:bodyPr rtlCol="0" anchor="ctr"/>
+          <a:lstStyle/>
+          <a:p>
+            <a:pPr lvl="0" algn="ctr"/>
+            <a:endParaRPr lang="en-US"/>
+          </a:p>
+        </p:txBody>
+      </p:sp>
+      <p:sp>
+        <p:nvSpPr>
+          <p:cNvPr id="2" name="Title 1">
+            <a:extLst>
+              <a:ext uri="{FF2B5EF4-FFF2-40B4-BE49-F238E27FC236}">
+                <a16:creationId xmlns:a16="http://schemas.microsoft.com/office/drawing/2014/main" id="{A1D554E5-0B25-434F-9355-CB33479FA671}"/>
+              </a:ext>
+            </a:extLst>
+          </p:cNvPr>
+          <p:cNvSpPr>
+            <a:spLocks noGrp="1"/>
+          </p:cNvSpPr>
+          <p:nvPr>
+            <p:ph type="title"/>
+          </p:nvPr>
+        </p:nvSpPr>
+        <p:spPr>
+          <a:xfrm>
+            <a:off x="1452616" y="962902"/>
+            <a:ext cx="4176384" cy="2380828"/>
+          </a:xfrm>
+        </p:spPr>
+        <p:txBody>
+          <a:bodyPr vert="horz" lIns="91440" tIns="45720" rIns="91440" bIns="0" rtlCol="0" anchor="b">
+            <a:normAutofit/>
+          </a:bodyPr>
+          <a:lstStyle/>
+          <a:p>
+            <a:r>
+              <a:rPr lang="en-US" sz="4800"/>
+              <a:t>Block Diagram</a:t>
+            </a:r>
+          </a:p>
+        </p:txBody>
+      </p:sp>
+      <p:cxnSp>
+        <p:nvCxnSpPr>
+          <p:cNvPr id="22" name="Straight Connector 21">
+            <a:extLst>
+              <a:ext uri="{FF2B5EF4-FFF2-40B4-BE49-F238E27FC236}">
+                <a16:creationId xmlns:a16="http://schemas.microsoft.com/office/drawing/2014/main" id="{FA6123F2-4B61-414F-A7E5-5B7828EACAE2}"/>
+              </a:ext>
+              <a:ext uri="{C183D7F6-B498-43B3-948B-1728B52AA6E4}">
+                <adec:decorative xmlns:adec="http://schemas.microsoft.com/office/drawing/2017/decorative" val="1"/>
+              </a:ext>
+            </a:extLst>
+          </p:cNvPr>
+          <p:cNvCxnSpPr>
+            <a:cxnSpLocks noGrp="1" noRot="1" noChangeAspect="1" noMove="1" noResize="1" noEditPoints="1" noAdjustHandles="1" noChangeArrowheads="1" noChangeShapeType="1"/>
+          </p:cNvCxnSpPr>
+          <p:nvPr>
+            <p:extLst>
+              <p:ext uri="{386F3935-93C4-4BCD-93E2-E3B085C9AB24}">
+                <p16:designElem xmlns:p16="http://schemas.microsoft.com/office/powerpoint/2015/main" val="1"/>
+              </p:ext>
+            </p:extLst>
+          </p:nvPr>
+        </p:nvCxnSpPr>
+        <p:spPr>
+          <a:xfrm>
+            <a:off x="1452617" y="3528543"/>
+            <a:ext cx="4171479" cy="0"/>
+          </a:xfrm>
+          <a:prstGeom prst="line">
+            <a:avLst/>
+          </a:prstGeom>
+          <a:ln w="31750"/>
+        </p:spPr>
+        <p:style>
+          <a:lnRef idx="3">
+            <a:schemeClr val="accent1"/>
+          </a:lnRef>
+          <a:fillRef idx="0">
+            <a:schemeClr val="accent1"/>
+          </a:fillRef>
+          <a:effectRef idx="2">
+            <a:schemeClr val="accent1"/>
+          </a:effectRef>
+          <a:fontRef idx="minor">
+            <a:schemeClr val="tx1"/>
+          </a:fontRef>
+        </p:style>
+      </p:cxnSp>
+      <p:pic>
+        <p:nvPicPr>
+          <p:cNvPr id="5" name="Content Placeholder 4" descr="A screenshot of a cell phone&#10;&#10;Description automatically generated">
+            <a:extLst>
+              <a:ext uri="{FF2B5EF4-FFF2-40B4-BE49-F238E27FC236}">
+                <a16:creationId xmlns:a16="http://schemas.microsoft.com/office/drawing/2014/main" id="{E4D9B29A-6DC8-4B24-A1A2-14933EDE4F62}"/>
+              </a:ext>
+            </a:extLst>
+          </p:cNvPr>
+          <p:cNvPicPr>
+            <a:picLocks noGrp="1" noChangeAspect="1"/>
+          </p:cNvPicPr>
+          <p:nvPr>
+            <p:ph idx="1"/>
+          </p:nvPr>
+        </p:nvPicPr>
+        <p:blipFill>
+          <a:blip r:embed="rId3">
+            <a:extLst>
+              <a:ext uri="{28A0092B-C50C-407E-A947-70E740481C1C}">
+                <a14:useLocalDpi xmlns:a14="http://schemas.microsoft.com/office/drawing/2010/main" val="0"/>
+              </a:ext>
+            </a:extLst>
+          </a:blip>
+          <a:stretch>
+            <a:fillRect/>
+          </a:stretch>
+        </p:blipFill>
+        <p:spPr>
+          <a:xfrm>
+            <a:off x="7335520" y="20340"/>
+            <a:ext cx="4035099" cy="6113789"/>
+          </a:xfrm>
+          <a:prstGeom prst="rect">
+            <a:avLst/>
+          </a:prstGeom>
+        </p:spPr>
+      </p:pic>
+      <p:pic>
+        <p:nvPicPr>
+          <p:cNvPr id="24" name="Picture 23">
+            <a:extLst>
+              <a:ext uri="{FF2B5EF4-FFF2-40B4-BE49-F238E27FC236}">
+                <a16:creationId xmlns:a16="http://schemas.microsoft.com/office/drawing/2014/main" id="{25CED634-E2D0-4AB7-96DD-816C9B52C5CF}"/>
+              </a:ext>
+              <a:ext uri="{C183D7F6-B498-43B3-948B-1728B52AA6E4}">
+                <adec:decorative xmlns:adec="http://schemas.microsoft.com/office/drawing/2017/decorative" val="1"/>
+              </a:ext>
+            </a:extLst>
+          </p:cNvPr>
+          <p:cNvPicPr>
+            <a:picLocks noGrp="1" noRot="1" noChangeAspect="1" noMove="1" noResize="1" noEditPoints="1" noAdjustHandles="1" noChangeArrowheads="1" noChangeShapeType="1" noCrop="1"/>
+          </p:cNvPicPr>
+          <p:nvPr>
+            <p:extLst>
+              <p:ext uri="{386F3935-93C4-4BCD-93E2-E3B085C9AB24}">
+                <p16:designElem xmlns:p16="http://schemas.microsoft.com/office/powerpoint/2015/main" val="1"/>
+              </p:ext>
+            </p:extLst>
+          </p:nvPr>
+        </p:nvPicPr>
+        <p:blipFill rotWithShape="1">
+          <a:blip r:embed="rId2">
+            <a:extLst>
+              <a:ext uri="{28A0092B-C50C-407E-A947-70E740481C1C}">
+                <a14:useLocalDpi xmlns:a14="http://schemas.microsoft.com/office/drawing/2010/main" val="0"/>
+              </a:ext>
+            </a:extLst>
+          </a:blip>
+          <a:srcRect t="1538" b="-1538"/>
+          <a:stretch/>
+        </p:blipFill>
+        <p:spPr bwMode="black">
+          <a:xfrm>
+            <a:off x="0" y="6126480"/>
+            <a:ext cx="12192000" cy="742950"/>
+          </a:xfrm>
+          <a:prstGeom prst="rect">
+            <a:avLst/>
+          </a:prstGeom>
+        </p:spPr>
+      </p:pic>
+      <p:cxnSp>
+        <p:nvCxnSpPr>
+          <p:cNvPr id="26" name="Straight Connector 25">
+            <a:extLst>
+              <a:ext uri="{FF2B5EF4-FFF2-40B4-BE49-F238E27FC236}">
+                <a16:creationId xmlns:a16="http://schemas.microsoft.com/office/drawing/2014/main" id="{FCDDCDFB-696D-4FDF-9B58-24F71B7C37BC}"/>
+              </a:ext>
+              <a:ext uri="{C183D7F6-B498-43B3-948B-1728B52AA6E4}">
+                <adec:decorative xmlns:adec="http://schemas.microsoft.com/office/drawing/2017/decorative" val="1"/>
+              </a:ext>
+            </a:extLst>
+          </p:cNvPr>
+          <p:cNvCxnSpPr>
+            <a:cxnSpLocks noGrp="1" noRot="1" noChangeAspect="1" noMove="1" noResize="1" noEditPoints="1" noAdjustHandles="1" noChangeArrowheads="1" noChangeShapeType="1"/>
+          </p:cNvCxnSpPr>
+          <p:nvPr>
+            <p:extLst>
+              <p:ext uri="{386F3935-93C4-4BCD-93E2-E3B085C9AB24}">
+                <p16:designElem xmlns:p16="http://schemas.microsoft.com/office/powerpoint/2015/main" val="1"/>
+              </p:ext>
+            </p:extLst>
+          </p:nvPr>
+        </p:nvCxnSpPr>
+        <p:spPr>
+          <a:xfrm>
+            <a:off x="0" y="6128413"/>
+            <a:ext cx="12192000" cy="0"/>
+          </a:xfrm>
+          <a:prstGeom prst="line">
+            <a:avLst/>
+          </a:prstGeom>
+          <a:ln w="12700">
+            <a:solidFill>
+              <a:srgbClr val="000001">
+                <a:alpha val="20000"/>
+              </a:srgbClr>
+            </a:solidFill>
+          </a:ln>
+        </p:spPr>
+        <p:style>
+          <a:lnRef idx="1">
+            <a:schemeClr val="accent1"/>
+          </a:lnRef>
+          <a:fillRef idx="0">
+            <a:schemeClr val="accent1"/>
+          </a:fillRef>
+          <a:effectRef idx="0">
+            <a:schemeClr val="accent1"/>
+          </a:effectRef>
+          <a:fontRef idx="minor">
+            <a:schemeClr val="tx1"/>
+          </a:fontRef>
+        </p:style>
+      </p:cxnSp>
+    </p:spTree>
+    <p:extLst>
+      <p:ext uri="{BB962C8B-B14F-4D97-AF65-F5344CB8AC3E}">
+        <p14:creationId xmlns:p14="http://schemas.microsoft.com/office/powerpoint/2010/main" val="667896708"/>
+      </p:ext>
+    </p:extLst>
+  </p:cSld>
+  <p:clrMapOvr>
+    <a:masterClrMapping/>
+  </p:clrMapOvr>
+</p:sld>
+</file>
+
+<file path=ppt/slides/slide5.xml><?xml version="1.0" encoding="utf-8"?>
 <p:sld xmlns:a="http://schemas.openxmlformats.org/drawingml/2006/main" xmlns:r="http://schemas.openxmlformats.org/officeDocument/2006/relationships" xmlns:p="http://schemas.openxmlformats.org/presentationml/2006/main">
   <p:cSld>
     <p:bg>
@@ -6590,119 +7312,6 @@
 </p:sld>
 </file>
 
-<file path=ppt/slides/slide5.xml><?xml version="1.0" encoding="utf-8"?>
-<p:sld xmlns:a="http://schemas.openxmlformats.org/drawingml/2006/main" xmlns:r="http://schemas.openxmlformats.org/officeDocument/2006/relationships" xmlns:p="http://schemas.openxmlformats.org/presentationml/2006/main">
-  <p:cSld>
-    <p:spTree>
-      <p:nvGrpSpPr>
-        <p:cNvPr id="1" name=""/>
-        <p:cNvGrpSpPr/>
-        <p:nvPr/>
-      </p:nvGrpSpPr>
-      <p:grpSpPr>
-        <a:xfrm>
-          <a:off x="0" y="0"/>
-          <a:ext cx="0" cy="0"/>
-          <a:chOff x="0" y="0"/>
-          <a:chExt cx="0" cy="0"/>
-        </a:xfrm>
-      </p:grpSpPr>
-      <p:sp>
-        <p:nvSpPr>
-          <p:cNvPr id="2" name="Title 1">
-            <a:extLst>
-              <a:ext uri="{FF2B5EF4-FFF2-40B4-BE49-F238E27FC236}">
-                <a16:creationId xmlns:a16="http://schemas.microsoft.com/office/drawing/2014/main" id="{07694187-5645-4C1F-806C-D0BE7CB22A64}"/>
-              </a:ext>
-            </a:extLst>
-          </p:cNvPr>
-          <p:cNvSpPr>
-            <a:spLocks noGrp="1"/>
-          </p:cNvSpPr>
-          <p:nvPr>
-            <p:ph type="title"/>
-          </p:nvPr>
-        </p:nvSpPr>
-        <p:spPr/>
-        <p:txBody>
-          <a:bodyPr/>
-          <a:lstStyle/>
-          <a:p>
-            <a:pPr algn="ctr"/>
-            <a:r>
-              <a:rPr lang="en-US" dirty="0"/>
-              <a:t>Important libraries used</a:t>
-            </a:r>
-          </a:p>
-        </p:txBody>
-      </p:sp>
-      <p:sp>
-        <p:nvSpPr>
-          <p:cNvPr id="3" name="Content Placeholder 2">
-            <a:extLst>
-              <a:ext uri="{FF2B5EF4-FFF2-40B4-BE49-F238E27FC236}">
-                <a16:creationId xmlns:a16="http://schemas.microsoft.com/office/drawing/2014/main" id="{61613C18-33CC-4913-9C40-C80378864ED9}"/>
-              </a:ext>
-            </a:extLst>
-          </p:cNvPr>
-          <p:cNvSpPr>
-            <a:spLocks noGrp="1"/>
-          </p:cNvSpPr>
-          <p:nvPr>
-            <p:ph idx="1"/>
-          </p:nvPr>
-        </p:nvSpPr>
-        <p:spPr/>
-        <p:txBody>
-          <a:bodyPr/>
-          <a:lstStyle/>
-          <a:p>
-            <a:r>
-              <a:rPr lang="en-US" dirty="0"/>
-              <a:t>Pandas</a:t>
-            </a:r>
-          </a:p>
-          <a:p>
-            <a:r>
-              <a:rPr lang="en-US" dirty="0" err="1"/>
-              <a:t>numpy</a:t>
-            </a:r>
-            <a:endParaRPr lang="en-US" dirty="0"/>
-          </a:p>
-          <a:p>
-            <a:r>
-              <a:rPr lang="en-US" dirty="0"/>
-              <a:t>RE</a:t>
-            </a:r>
-          </a:p>
-          <a:p>
-            <a:r>
-              <a:rPr lang="en-US" dirty="0" err="1"/>
-              <a:t>Simpletransformers</a:t>
-            </a:r>
-            <a:endParaRPr lang="en-US" dirty="0"/>
-          </a:p>
-          <a:p>
-            <a:r>
-              <a:rPr lang="en-US" dirty="0"/>
-              <a:t>BERT Algorithm implementation</a:t>
-            </a:r>
-          </a:p>
-        </p:txBody>
-      </p:sp>
-    </p:spTree>
-    <p:extLst>
-      <p:ext uri="{BB962C8B-B14F-4D97-AF65-F5344CB8AC3E}">
-        <p14:creationId xmlns:p14="http://schemas.microsoft.com/office/powerpoint/2010/main" val="2000925319"/>
-      </p:ext>
-    </p:extLst>
-  </p:cSld>
-  <p:clrMapOvr>
-    <a:masterClrMapping/>
-  </p:clrMapOvr>
-</p:sld>
-</file>
-
 <file path=ppt/slides/slide6.xml><?xml version="1.0" encoding="utf-8"?>
 <p:sld xmlns:a="http://schemas.openxmlformats.org/drawingml/2006/main" xmlns:r="http://schemas.openxmlformats.org/officeDocument/2006/relationships" xmlns:p="http://schemas.openxmlformats.org/presentationml/2006/main">
   <p:cSld>
@@ -6725,7 +7334,7 @@
           <p:cNvPr id="2" name="Title 1">
             <a:extLst>
               <a:ext uri="{FF2B5EF4-FFF2-40B4-BE49-F238E27FC236}">
-                <a16:creationId xmlns:a16="http://schemas.microsoft.com/office/drawing/2014/main" id="{C92CF046-BBC9-4E17-A51B-BFF3EB004EDA}"/>
+                <a16:creationId xmlns:a16="http://schemas.microsoft.com/office/drawing/2014/main" id="{07694187-5645-4C1F-806C-D0BE7CB22A64}"/>
               </a:ext>
             </a:extLst>
           </p:cNvPr>
@@ -6743,10 +7352,9 @@
           <a:p>
             <a:pPr algn="ctr"/>
             <a:r>
-              <a:rPr lang="en-US" altLang="en-US" dirty="0"/>
-              <a:t>Training Phase:</a:t>
-            </a:r>
-            <a:endParaRPr lang="en-US" dirty="0"/>
+              <a:rPr lang="en-US" dirty="0"/>
+              <a:t>Important libraries used</a:t>
+            </a:r>
           </a:p>
         </p:txBody>
       </p:sp>
@@ -6755,7 +7363,7 @@
           <p:cNvPr id="3" name="Content Placeholder 2">
             <a:extLst>
               <a:ext uri="{FF2B5EF4-FFF2-40B4-BE49-F238E27FC236}">
-                <a16:creationId xmlns:a16="http://schemas.microsoft.com/office/drawing/2014/main" id="{F1043130-2FC1-4DB6-8FD9-FD2F3A6B2008}"/>
+                <a16:creationId xmlns:a16="http://schemas.microsoft.com/office/drawing/2014/main" id="{61613C18-33CC-4913-9C40-C80378864ED9}"/>
               </a:ext>
             </a:extLst>
           </p:cNvPr>
@@ -6771,110 +7379,35 @@
           <a:bodyPr/>
           <a:lstStyle/>
           <a:p>
-            <a:pPr marL="342900" lvl="0" indent="-342900" eaLnBrk="0" fontAlgn="base" hangingPunct="0">
-              <a:lnSpc>
-                <a:spcPct val="100000"/>
-              </a:lnSpc>
-              <a:spcBef>
-                <a:spcPct val="0"/>
-              </a:spcBef>
-              <a:spcAft>
-                <a:spcPct val="0"/>
-              </a:spcAft>
-              <a:buClrTx/>
-              <a:buSzTx/>
-              <a:buFont typeface="Wingdings" panose="05000000000000000000" pitchFamily="2" charset="2"/>
-              <a:buChar char="q"/>
-            </a:pPr>
-            <a:r>
-              <a:rPr lang="en-US" altLang="en-US" dirty="0"/>
-              <a:t>Shape of training data set is (6766, 2) and Shape of Eval data set is (1692, 2).  </a:t>
-            </a:r>
-          </a:p>
-          <a:p>
-            <a:pPr marL="342900" lvl="0" indent="-342900" eaLnBrk="0" fontAlgn="base" hangingPunct="0">
-              <a:lnSpc>
-                <a:spcPct val="100000"/>
-              </a:lnSpc>
-              <a:spcBef>
-                <a:spcPct val="0"/>
-              </a:spcBef>
-              <a:spcAft>
-                <a:spcPct val="0"/>
-              </a:spcAft>
-              <a:buClrTx/>
-              <a:buSzTx/>
-              <a:buFont typeface="Wingdings" panose="05000000000000000000" pitchFamily="2" charset="2"/>
-              <a:buChar char="q"/>
-            </a:pPr>
-            <a:r>
-              <a:rPr lang="en-US" altLang="en-US" dirty="0"/>
-              <a:t>Train arguments are chosen as below:  </a:t>
-            </a:r>
-          </a:p>
-          <a:p>
-            <a:pPr marL="342900" lvl="0" indent="-342900" eaLnBrk="0" fontAlgn="base" hangingPunct="0">
-              <a:lnSpc>
-                <a:spcPct val="100000"/>
-              </a:lnSpc>
-              <a:spcBef>
-                <a:spcPct val="0"/>
-              </a:spcBef>
-              <a:spcAft>
-                <a:spcPct val="0"/>
-              </a:spcAft>
-              <a:buClrTx/>
-              <a:buSzTx/>
-              <a:buFont typeface="Wingdings" panose="05000000000000000000" pitchFamily="2" charset="2"/>
-              <a:buChar char="q"/>
-            </a:pPr>
-            <a:r>
-              <a:rPr lang="en-US" altLang="en-US" dirty="0"/>
-              <a:t>Training details: Bert algorithm is used for classification model purpose, using </a:t>
-            </a:r>
-            <a:r>
-              <a:rPr lang="en-US" altLang="en-US" dirty="0" err="1"/>
-              <a:t>simpletransformer</a:t>
-            </a:r>
-            <a:r>
-              <a:rPr lang="en-US" altLang="en-US" dirty="0"/>
-              <a:t> module </a:t>
-            </a:r>
-          </a:p>
-          <a:p>
-            <a:pPr marL="0" lvl="0" indent="0" eaLnBrk="0" fontAlgn="base" hangingPunct="0">
-              <a:lnSpc>
-                <a:spcPct val="100000"/>
-              </a:lnSpc>
-              <a:spcBef>
-                <a:spcPct val="0"/>
-              </a:spcBef>
-              <a:spcAft>
-                <a:spcPct val="0"/>
-              </a:spcAft>
-              <a:buClrTx/>
-              <a:buSzTx/>
-              <a:buNone/>
-            </a:pPr>
-            <a:r>
-              <a:rPr lang="en-US" altLang="en-US" dirty="0"/>
-              <a:t>     which provides result, </a:t>
-            </a:r>
-            <a:r>
-              <a:rPr lang="en-US" altLang="en-US" dirty="0" err="1"/>
-              <a:t>model_outputs</a:t>
-            </a:r>
-            <a:r>
-              <a:rPr lang="en-US" altLang="en-US" dirty="0"/>
-              <a:t>, </a:t>
-            </a:r>
-            <a:r>
-              <a:rPr lang="en-US" altLang="en-US" dirty="0" err="1"/>
-              <a:t>wrong_predictions</a:t>
-            </a:r>
-            <a:r>
-              <a:rPr lang="en-US" altLang="en-US" dirty="0"/>
-              <a:t>. </a:t>
+            <a:r>
+              <a:rPr lang="en-US" dirty="0"/>
+              <a:t>Pandas</a:t>
+            </a:r>
+          </a:p>
+          <a:p>
+            <a:r>
+              <a:rPr lang="en-US" dirty="0" err="1"/>
+              <a:t>numpy</a:t>
+            </a:r>
+            <a:endParaRPr lang="en-US" dirty="0"/>
+          </a:p>
+          <a:p>
+            <a:r>
+              <a:rPr lang="en-US" dirty="0"/>
+              <a:t>RE</a:t>
+            </a:r>
+          </a:p>
+          <a:p>
+            <a:r>
+              <a:rPr lang="en-US" dirty="0" err="1"/>
+              <a:t>Simpletransformers</a:t>
+            </a:r>
+            <a:endParaRPr lang="en-US" dirty="0"/>
+          </a:p>
+          <a:p>
+            <a:r>
+              <a:rPr lang="en-US" dirty="0"/>
+              <a:t>BERT Algorithm implementation</a:t>
             </a:r>
           </a:p>
         </p:txBody>
@@ -6882,7 +7415,7 @@
     </p:spTree>
     <p:extLst>
       <p:ext uri="{BB962C8B-B14F-4D97-AF65-F5344CB8AC3E}">
-        <p14:creationId xmlns:p14="http://schemas.microsoft.com/office/powerpoint/2010/main" val="408926115"/>
+        <p14:creationId xmlns:p14="http://schemas.microsoft.com/office/powerpoint/2010/main" val="2000925319"/>
       </p:ext>
     </p:extLst>
   </p:cSld>
@@ -6914,7 +7447,7 @@
           <p:cNvPr id="2" name="Title 1">
             <a:extLst>
               <a:ext uri="{FF2B5EF4-FFF2-40B4-BE49-F238E27FC236}">
-                <a16:creationId xmlns:a16="http://schemas.microsoft.com/office/drawing/2014/main" id="{9C0652B6-66F2-439E-BD69-A61322AA1400}"/>
+                <a16:creationId xmlns:a16="http://schemas.microsoft.com/office/drawing/2014/main" id="{C92CF046-BBC9-4E17-A51B-BFF3EB004EDA}"/>
               </a:ext>
             </a:extLst>
           </p:cNvPr>
@@ -6932,9 +7465,10 @@
           <a:p>
             <a:pPr algn="ctr"/>
             <a:r>
-              <a:rPr lang="en-US" dirty="0"/>
-              <a:t>Accuracy</a:t>
-            </a:r>
+              <a:rPr lang="en-US" altLang="en-US" dirty="0"/>
+              <a:t>Training Phase:</a:t>
+            </a:r>
+            <a:endParaRPr lang="en-US" dirty="0"/>
           </a:p>
         </p:txBody>
       </p:sp>
@@ -6943,7 +7477,7 @@
           <p:cNvPr id="3" name="Content Placeholder 2">
             <a:extLst>
               <a:ext uri="{FF2B5EF4-FFF2-40B4-BE49-F238E27FC236}">
-                <a16:creationId xmlns:a16="http://schemas.microsoft.com/office/drawing/2014/main" id="{04024965-F1B2-4CDA-BA8C-968CB557E959}"/>
+                <a16:creationId xmlns:a16="http://schemas.microsoft.com/office/drawing/2014/main" id="{F1043130-2FC1-4DB6-8FD9-FD2F3A6B2008}"/>
               </a:ext>
             </a:extLst>
           </p:cNvPr>
@@ -6956,73 +7490,113 @@
         </p:nvSpPr>
         <p:spPr/>
         <p:txBody>
-          <a:bodyPr>
-            <a:normAutofit/>
-          </a:bodyPr>
+          <a:bodyPr/>
           <a:lstStyle/>
           <a:p>
-            <a:r>
-              <a:rPr lang="en-US" altLang="en-US" b="1" dirty="0">
-                <a:highlight>
-                  <a:srgbClr val="FFFF00"/>
-                </a:highlight>
-              </a:rPr>
-              <a:t>Accuracy of BERT model: We </a:t>
-            </a:r>
-            <a:r>
-              <a:rPr lang="en-US" altLang="en-US" b="1">
-                <a:highlight>
-                  <a:srgbClr val="FFFF00"/>
-                </a:highlight>
-              </a:rPr>
-              <a:t>obtained 91.73 </a:t>
-            </a:r>
-            <a:r>
-              <a:rPr lang="en-US" altLang="en-US" b="1" dirty="0">
-                <a:highlight>
-                  <a:srgbClr val="FFFF00"/>
-                </a:highlight>
-              </a:rPr>
-              <a:t>accuracy.  We also tried with Albert and Robert algorithm.</a:t>
-            </a:r>
-            <a:endParaRPr lang="en-US" dirty="0"/>
-          </a:p>
-          <a:p>
-            <a:r>
-              <a:rPr lang="en-US" dirty="0"/>
-              <a:t>Test Phase: Using the saved BERT model, we evaluate the abstract text classification prediction. </a:t>
-            </a:r>
-          </a:p>
-          <a:p>
-            <a:r>
-              <a:rPr lang="en-US" dirty="0"/>
-              <a:t>We take cumulative score based on below variables:</a:t>
-            </a:r>
-          </a:p>
-          <a:p>
-            <a:pPr marL="457200" lvl="1" indent="0">
+            <a:pPr marL="342900" lvl="0" indent="-342900" eaLnBrk="0" fontAlgn="base" hangingPunct="0">
+              <a:lnSpc>
+                <a:spcPct val="100000"/>
+              </a:lnSpc>
+              <a:spcBef>
+                <a:spcPct val="0"/>
+              </a:spcBef>
+              <a:spcAft>
+                <a:spcPct val="0"/>
+              </a:spcAft>
+              <a:buClrTx/>
+              <a:buSzTx/>
+              <a:buFont typeface="Wingdings" panose="05000000000000000000" pitchFamily="2" charset="2"/>
+              <a:buChar char="q"/>
+            </a:pPr>
+            <a:r>
+              <a:rPr lang="en-US" altLang="en-US" dirty="0"/>
+              <a:t>Shape of training data set is (6766, 2) and Shape of Eval data set is (1692, 2).  </a:t>
+            </a:r>
+          </a:p>
+          <a:p>
+            <a:pPr marL="342900" lvl="0" indent="-342900" eaLnBrk="0" fontAlgn="base" hangingPunct="0">
+              <a:lnSpc>
+                <a:spcPct val="100000"/>
+              </a:lnSpc>
+              <a:spcBef>
+                <a:spcPct val="0"/>
+              </a:spcBef>
+              <a:spcAft>
+                <a:spcPct val="0"/>
+              </a:spcAft>
+              <a:buClrTx/>
+              <a:buSzTx/>
+              <a:buFont typeface="Wingdings" panose="05000000000000000000" pitchFamily="2" charset="2"/>
+              <a:buChar char="q"/>
+            </a:pPr>
+            <a:r>
+              <a:rPr lang="en-US" altLang="en-US" dirty="0"/>
+              <a:t>Train arguments are chosen as below:  </a:t>
+            </a:r>
+          </a:p>
+          <a:p>
+            <a:pPr marL="342900" lvl="0" indent="-342900" eaLnBrk="0" fontAlgn="base" hangingPunct="0">
+              <a:lnSpc>
+                <a:spcPct val="100000"/>
+              </a:lnSpc>
+              <a:spcBef>
+                <a:spcPct val="0"/>
+              </a:spcBef>
+              <a:spcAft>
+                <a:spcPct val="0"/>
+              </a:spcAft>
+              <a:buClrTx/>
+              <a:buSzTx/>
+              <a:buFont typeface="Wingdings" panose="05000000000000000000" pitchFamily="2" charset="2"/>
+              <a:buChar char="q"/>
+            </a:pPr>
+            <a:r>
+              <a:rPr lang="en-US" altLang="en-US" dirty="0"/>
+              <a:t>Training details: Bert algorithm is used for classification model purpose, using </a:t>
+            </a:r>
+            <a:r>
+              <a:rPr lang="en-US" altLang="en-US" dirty="0" err="1"/>
+              <a:t>simpletransformer</a:t>
+            </a:r>
+            <a:r>
+              <a:rPr lang="en-US" altLang="en-US" dirty="0"/>
+              <a:t> module </a:t>
+            </a:r>
+          </a:p>
+          <a:p>
+            <a:pPr marL="0" lvl="0" indent="0" eaLnBrk="0" fontAlgn="base" hangingPunct="0">
+              <a:lnSpc>
+                <a:spcPct val="100000"/>
+              </a:lnSpc>
+              <a:spcBef>
+                <a:spcPct val="0"/>
+              </a:spcBef>
+              <a:spcAft>
+                <a:spcPct val="0"/>
+              </a:spcAft>
+              <a:buClrTx/>
+              <a:buSzTx/>
               <a:buNone/>
             </a:pPr>
             <a:r>
-              <a:rPr lang="en-US" dirty="0"/>
-              <a:t>(</a:t>
-            </a:r>
-            <a:r>
-              <a:rPr lang="en-US" dirty="0" err="1"/>
-              <a:t>i</a:t>
-            </a:r>
-            <a:r>
-              <a:rPr lang="en-US" dirty="0"/>
-              <a:t>)Abstract of preventive note.</a:t>
-            </a:r>
-          </a:p>
-          <a:p>
-            <a:pPr marL="457200" lvl="1" indent="0">
-              <a:buNone/>
-            </a:pPr>
-            <a:r>
-              <a:rPr lang="en-US" dirty="0"/>
-              <a:t>(ii)Target : Target is defined as 1 &amp; 0. ‘1’ indicates that it is a preventive information &amp; ‘0’ indicates other wise </a:t>
+              <a:rPr lang="en-US" altLang="en-US" dirty="0"/>
+              <a:t>     which provides result, </a:t>
+            </a:r>
+            <a:r>
+              <a:rPr lang="en-US" altLang="en-US" dirty="0" err="1"/>
+              <a:t>model_outputs</a:t>
+            </a:r>
+            <a:r>
+              <a:rPr lang="en-US" altLang="en-US" dirty="0"/>
+              <a:t>, </a:t>
+            </a:r>
+            <a:r>
+              <a:rPr lang="en-US" altLang="en-US" dirty="0" err="1"/>
+              <a:t>wrong_predictions</a:t>
+            </a:r>
+            <a:r>
+              <a:rPr lang="en-US" altLang="en-US" dirty="0"/>
+              <a:t>. </a:t>
             </a:r>
           </a:p>
         </p:txBody>
@@ -7030,7 +7604,7 @@
     </p:spTree>
     <p:extLst>
       <p:ext uri="{BB962C8B-B14F-4D97-AF65-F5344CB8AC3E}">
-        <p14:creationId xmlns:p14="http://schemas.microsoft.com/office/powerpoint/2010/main" val="1625475565"/>
+        <p14:creationId xmlns:p14="http://schemas.microsoft.com/office/powerpoint/2010/main" val="408926115"/>
       </p:ext>
     </p:extLst>
   </p:cSld>
@@ -7062,7 +7636,7 @@
           <p:cNvPr id="2" name="Title 1">
             <a:extLst>
               <a:ext uri="{FF2B5EF4-FFF2-40B4-BE49-F238E27FC236}">
-                <a16:creationId xmlns:a16="http://schemas.microsoft.com/office/drawing/2014/main" id="{B351BAB2-D246-492B-8A64-31372F868D23}"/>
+                <a16:creationId xmlns:a16="http://schemas.microsoft.com/office/drawing/2014/main" id="{9C0652B6-66F2-439E-BD69-A61322AA1400}"/>
               </a:ext>
             </a:extLst>
           </p:cNvPr>
@@ -7080,13 +7654,9 @@
           <a:p>
             <a:pPr algn="ctr"/>
             <a:r>
-              <a:rPr lang="en-US" b="1" dirty="0"/>
-              <a:t>BIO</a:t>
-            </a:r>
-            <a:br>
-              <a:rPr lang="en-US" b="1" dirty="0"/>
-            </a:br>
-            <a:endParaRPr lang="en-US" dirty="0"/>
+              <a:rPr lang="en-US" dirty="0"/>
+              <a:t>Accuracy</a:t>
+            </a:r>
           </a:p>
         </p:txBody>
       </p:sp>
@@ -7095,7 +7665,7 @@
           <p:cNvPr id="3" name="Content Placeholder 2">
             <a:extLst>
               <a:ext uri="{FF2B5EF4-FFF2-40B4-BE49-F238E27FC236}">
-                <a16:creationId xmlns:a16="http://schemas.microsoft.com/office/drawing/2014/main" id="{BEDC7F41-3F3E-4EBD-AE4D-DEE4709161F2}"/>
+                <a16:creationId xmlns:a16="http://schemas.microsoft.com/office/drawing/2014/main" id="{04024965-F1B2-4CDA-BA8C-968CB557E959}"/>
               </a:ext>
             </a:extLst>
           </p:cNvPr>
@@ -7109,31 +7679,72 @@
         <p:spPr/>
         <p:txBody>
           <a:bodyPr>
-            <a:normAutofit fontScale="92500"/>
+            <a:normAutofit/>
           </a:bodyPr>
           <a:lstStyle/>
           <a:p>
             <a:r>
+              <a:rPr lang="en-US" altLang="en-US" b="1" dirty="0">
+                <a:highlight>
+                  <a:srgbClr val="FFFF00"/>
+                </a:highlight>
+              </a:rPr>
+              <a:t>Accuracy of BERT model: We </a:t>
+            </a:r>
+            <a:r>
+              <a:rPr lang="en-US" altLang="en-US" b="1">
+                <a:highlight>
+                  <a:srgbClr val="FFFF00"/>
+                </a:highlight>
+              </a:rPr>
+              <a:t>obtained 91.73 </a:t>
+            </a:r>
+            <a:r>
+              <a:rPr lang="en-US" altLang="en-US" b="1" dirty="0">
+                <a:highlight>
+                  <a:srgbClr val="FFFF00"/>
+                </a:highlight>
+              </a:rPr>
+              <a:t>accuracy.  We also tried with Albert and Robert algorithm.</a:t>
+            </a:r>
+            <a:endParaRPr lang="en-US" dirty="0"/>
+          </a:p>
+          <a:p>
+            <a:r>
               <a:rPr lang="en-US" dirty="0"/>
-              <a:t> </a:t>
-            </a:r>
-            <a:r>
-              <a:rPr lang="en-US" b="1" dirty="0"/>
-              <a:t>Krutika Dhanakshirur,</a:t>
-            </a:r>
+              <a:t>Test Phase: Using the saved BERT model, we evaluate the abstract text classification prediction. </a:t>
+            </a:r>
+          </a:p>
+          <a:p>
             <a:r>
               <a:rPr lang="en-US" dirty="0"/>
-              <a:t> is a Test Engineer at Dell EMC, Server and Infrastructure Group with 2+ years of experience. She has completed her masters in "Software Engineering". Started her career with Web development skill set continued as an automation engineer. She has also contributed to the development of a Chatbot tool using AI/ML.</a:t>
-            </a:r>
-          </a:p>
-          <a:p>
-            <a:r>
-              <a:rPr lang="en-US" b="1" dirty="0"/>
-              <a:t>Nithya V,</a:t>
-            </a:r>
+              <a:t>We take cumulative score based on below variables:</a:t>
+            </a:r>
+          </a:p>
+          <a:p>
+            <a:pPr marL="457200" lvl="1" indent="0">
+              <a:buNone/>
+            </a:pPr>
             <a:r>
               <a:rPr lang="en-US" dirty="0"/>
-              <a:t> Test senior engineer at Dell EMC. She is having an industry experience of 11.5 years in area of Test Automation. She has vast &amp; versatile experience in Automation using various tools &amp; technologies. She is highly interested in emerging technologies and passionate about bringing innovative technical solutions. She is also a practitioner &amp; trainer of Yoga &amp; Mediation.</a:t>
+              <a:t>(</a:t>
+            </a:r>
+            <a:r>
+              <a:rPr lang="en-US" dirty="0" err="1"/>
+              <a:t>i</a:t>
+            </a:r>
+            <a:r>
+              <a:rPr lang="en-US" dirty="0"/>
+              <a:t>)Abstract of preventive note.</a:t>
+            </a:r>
+          </a:p>
+          <a:p>
+            <a:pPr marL="457200" lvl="1" indent="0">
+              <a:buNone/>
+            </a:pPr>
+            <a:r>
+              <a:rPr lang="en-US" dirty="0"/>
+              <a:t>(ii)Target : Target is defined as 1 &amp; 0. ‘1’ indicates that it is a preventive information &amp; ‘0’ indicates other wise </a:t>
             </a:r>
           </a:p>
         </p:txBody>
@@ -7141,7 +7752,7 @@
     </p:spTree>
     <p:extLst>
       <p:ext uri="{BB962C8B-B14F-4D97-AF65-F5344CB8AC3E}">
-        <p14:creationId xmlns:p14="http://schemas.microsoft.com/office/powerpoint/2010/main" val="3772522765"/>
+        <p14:creationId xmlns:p14="http://schemas.microsoft.com/office/powerpoint/2010/main" val="1625475565"/>
       </p:ext>
     </p:extLst>
   </p:cSld>
@@ -7173,7 +7784,7 @@
           <p:cNvPr id="2" name="Title 1">
             <a:extLst>
               <a:ext uri="{FF2B5EF4-FFF2-40B4-BE49-F238E27FC236}">
-                <a16:creationId xmlns:a16="http://schemas.microsoft.com/office/drawing/2014/main" id="{DC68F6D3-7BB3-42F3-805B-2C157610A057}"/>
+                <a16:creationId xmlns:a16="http://schemas.microsoft.com/office/drawing/2014/main" id="{B351BAB2-D246-492B-8A64-31372F868D23}"/>
               </a:ext>
             </a:extLst>
           </p:cNvPr>
@@ -7189,10 +7800,14 @@
           <a:bodyPr/>
           <a:lstStyle/>
           <a:p>
-            <a:r>
-              <a:rPr lang="pt-BR" b="1" dirty="0"/>
-              <a:t>REFERENCES/BIBLIOGRAPGHY</a:t>
-            </a:r>
+            <a:pPr algn="ctr"/>
+            <a:r>
+              <a:rPr lang="en-US" b="1" dirty="0"/>
+              <a:t>BIO</a:t>
+            </a:r>
+            <a:br>
+              <a:rPr lang="en-US" b="1" dirty="0"/>
+            </a:br>
             <a:endParaRPr lang="en-US" dirty="0"/>
           </a:p>
         </p:txBody>
@@ -7202,7 +7817,7 @@
           <p:cNvPr id="3" name="Content Placeholder 2">
             <a:extLst>
               <a:ext uri="{FF2B5EF4-FFF2-40B4-BE49-F238E27FC236}">
-                <a16:creationId xmlns:a16="http://schemas.microsoft.com/office/drawing/2014/main" id="{578BE212-1A5C-42E6-990F-B1E3F10E80F2}"/>
+                <a16:creationId xmlns:a16="http://schemas.microsoft.com/office/drawing/2014/main" id="{BEDC7F41-3F3E-4EBD-AE4D-DEE4709161F2}"/>
               </a:ext>
             </a:extLst>
           </p:cNvPr>
@@ -7215,35 +7830,40 @@
         </p:nvSpPr>
         <p:spPr/>
         <p:txBody>
-          <a:bodyPr/>
+          <a:bodyPr>
+            <a:normAutofit fontScale="92500"/>
+          </a:bodyPr>
           <a:lstStyle/>
           <a:p>
             <a:r>
-              <a:rPr lang="en-US" dirty="0">
-                <a:hlinkClick r:id="rId2" tooltip="https://www.kaggle.com/allen-institute-for-ai/cord-19-research-challenge?select=metadata.csv"/>
-              </a:rPr>
-              <a:t>https://www.kaggle.com/allen-institute-for-ai/CORD-19-research-challenge?select=metadata.csv</a:t>
-            </a:r>
-            <a:endParaRPr lang="en-US" dirty="0"/>
-          </a:p>
-          <a:p>
-            <a:r>
-              <a:rPr lang="en-US">
-                <a:hlinkClick r:id="rId3" tooltip="https://github.com/priya-dwivedi/deep-learning/blob/master/text_classification_with_bert/classification_with_simple_transformers.ipynb"/>
-              </a:rPr>
-              <a:t>https://github.com/priya-dwivedi/Deep-Learning/blob/master/text_classification_with_BERT/Classification_with_Simple_Transformers.ipynb</a:t>
-            </a:r>
-            <a:endParaRPr lang="en-US" dirty="0"/>
-          </a:p>
-          <a:p>
-            <a:endParaRPr lang="en-US" dirty="0"/>
+              <a:rPr lang="en-US" dirty="0"/>
+              <a:t> </a:t>
+            </a:r>
+            <a:r>
+              <a:rPr lang="en-US" b="1" dirty="0"/>
+              <a:t>Krutika Dhanakshirur,</a:t>
+            </a:r>
+            <a:r>
+              <a:rPr lang="en-US" dirty="0"/>
+              <a:t> is a Test Engineer at Dell EMC, Server and Infrastructure Group with 2+ years of experience. She has completed her masters in "Software Engineering". Started her career with Web development skill set continued as an automation engineer. She has also contributed to the development of a Chatbot tool using AI/ML.</a:t>
+            </a:r>
+          </a:p>
+          <a:p>
+            <a:r>
+              <a:rPr lang="en-US" b="1" dirty="0"/>
+              <a:t>Nithya V,</a:t>
+            </a:r>
+            <a:r>
+              <a:rPr lang="en-US" dirty="0"/>
+              <a:t> Test senior engineer at Dell EMC. She is having an industry experience of 11.5 years in area of Test Automation. She has vast &amp; versatile experience in Automation using various tools &amp; technologies. She is highly interested in emerging technologies and passionate about bringing innovative technical solutions. She is also a practitioner &amp; trainer of Yoga &amp; Mediation.</a:t>
+            </a:r>
           </a:p>
         </p:txBody>
       </p:sp>
     </p:spTree>
     <p:extLst>
       <p:ext uri="{BB962C8B-B14F-4D97-AF65-F5344CB8AC3E}">
-        <p14:creationId xmlns:p14="http://schemas.microsoft.com/office/powerpoint/2010/main" val="3289435459"/>
+        <p14:creationId xmlns:p14="http://schemas.microsoft.com/office/powerpoint/2010/main" val="3772522765"/>
       </p:ext>
     </p:extLst>
   </p:cSld>
